--- a/ソフトウェア総合演習final.pptx
+++ b/ソフトウェア総合演習final.pptx
@@ -5,7 +5,7 @@
     <p:sldMasterId id="2147483648" r:id="rId1"/>
   </p:sldMasterIdLst>
   <p:notesMasterIdLst>
-    <p:notesMasterId r:id="rId29"/>
+    <p:notesMasterId r:id="rId28"/>
   </p:notesMasterIdLst>
   <p:sldIdLst>
     <p:sldId id="256" r:id="rId2"/>
@@ -30,11 +30,10 @@
     <p:sldId id="262" r:id="rId21"/>
     <p:sldId id="263" r:id="rId22"/>
     <p:sldId id="260" r:id="rId23"/>
-    <p:sldId id="281" r:id="rId24"/>
-    <p:sldId id="282" r:id="rId25"/>
-    <p:sldId id="264" r:id="rId26"/>
-    <p:sldId id="270" r:id="rId27"/>
-    <p:sldId id="271" r:id="rId28"/>
+    <p:sldId id="292" r:id="rId24"/>
+    <p:sldId id="264" r:id="rId25"/>
+    <p:sldId id="270" r:id="rId26"/>
+    <p:sldId id="271" r:id="rId27"/>
   </p:sldIdLst>
   <p:sldSz cx="12192000" cy="6858000"/>
   <p:notesSz cx="6858000" cy="9144000"/>
@@ -1963,48 +1962,6 @@
           <a:p>
             <a:endParaRPr kumimoji="1" lang="en-US" altLang="ja-JP" dirty="0"/>
           </a:p>
-          <a:p>
-            <a:r>
-              <a:rPr lang="ja-JP" altLang="en-US"/>
-              <a:t>どのような工夫が盛り込まれているか</a:t>
-            </a:r>
-            <a:br>
-              <a:rPr lang="ja-JP" altLang="en-US"/>
-            </a:br>
-            <a:r>
-              <a:rPr lang="en-US" altLang="ja-JP" dirty="0"/>
-              <a:t>• </a:t>
-            </a:r>
-            <a:r>
-              <a:rPr lang="ja-JP" altLang="en-US"/>
-              <a:t>苦労した点</a:t>
-            </a:r>
-            <a:br>
-              <a:rPr lang="ja-JP" altLang="en-US"/>
-            </a:br>
-            <a:r>
-              <a:rPr lang="en-US" altLang="ja-JP" dirty="0"/>
-              <a:t>• </a:t>
-            </a:r>
-            <a:r>
-              <a:rPr lang="ja-JP" altLang="en-US"/>
-              <a:t>アルゴリズムが許容するデータサイズと計算効率 </a:t>
-            </a:r>
-            <a:endParaRPr lang="en-US" altLang="ja-JP" dirty="0"/>
-          </a:p>
-          <a:p>
-            <a:r>
-              <a:rPr lang="en-US" altLang="ja-JP" dirty="0"/>
-              <a:t>• </a:t>
-            </a:r>
-            <a:r>
-              <a:rPr lang="ja-JP" altLang="en-US"/>
-              <a:t>アルゴリズムの欠点 </a:t>
-            </a:r>
-          </a:p>
-          <a:p>
-            <a:endParaRPr kumimoji="1" lang="en-US" altLang="ja-JP" dirty="0"/>
-          </a:p>
         </p:txBody>
       </p:sp>
       <p:sp>
@@ -2281,99 +2238,6 @@
           <a:bodyPr/>
           <a:lstStyle/>
           <a:p>
-            <a:pPr marL="0" indent="0">
-              <a:buNone/>
-            </a:pPr>
-            <a:r>
-              <a:rPr lang="en-US" altLang="ja-JP" dirty="0"/>
-              <a:t>• </a:t>
-            </a:r>
-            <a:r>
-              <a:rPr lang="ja-JP" altLang="en-US"/>
-              <a:t>システム開発上難しかったことを報告してください</a:t>
-            </a:r>
-            <a:endParaRPr lang="en-US" altLang="ja-JP" dirty="0"/>
-          </a:p>
-          <a:p>
-            <a:pPr marL="0" indent="0">
-              <a:buNone/>
-            </a:pPr>
-            <a:r>
-              <a:rPr lang="ja-JP" altLang="en-US"/>
-              <a:t>行き当たりばったりによるデータの扱い、</a:t>
-            </a:r>
-            <a:endParaRPr lang="en-US" altLang="ja-JP" dirty="0"/>
-          </a:p>
-          <a:p>
-            <a:pPr marL="0" indent="0">
-              <a:buNone/>
-            </a:pPr>
-            <a:r>
-              <a:rPr lang="ja-JP" altLang="en-US"/>
-              <a:t> </a:t>
-            </a:r>
-            <a:r>
-              <a:rPr lang="en-US" altLang="ja-JP" dirty="0"/>
-              <a:t>• </a:t>
-            </a:r>
-            <a:r>
-              <a:rPr lang="ja-JP" altLang="en-US"/>
-              <a:t>システムの良くできた点をアピールしてください</a:t>
-            </a:r>
-            <a:br>
-              <a:rPr lang="ja-JP" altLang="en-US"/>
-            </a:br>
-            <a:r>
-              <a:rPr lang="ja-JP" altLang="en-US"/>
-              <a:t>特になし</a:t>
-            </a:r>
-            <a:endParaRPr lang="en-US" altLang="ja-JP" dirty="0"/>
-          </a:p>
-          <a:p>
-            <a:pPr marL="0" indent="0">
-              <a:buNone/>
-            </a:pPr>
-            <a:r>
-              <a:rPr lang="en-US" altLang="ja-JP" dirty="0"/>
-              <a:t>• </a:t>
-            </a:r>
-            <a:r>
-              <a:rPr lang="ja-JP" altLang="en-US"/>
-              <a:t>プロジェクトから学んだこと、気付いたこと</a:t>
-            </a:r>
-            <a:endParaRPr lang="en-US" altLang="ja-JP" dirty="0"/>
-          </a:p>
-          <a:p>
-            <a:pPr marL="0" indent="0">
-              <a:buNone/>
-            </a:pPr>
-            <a:r>
-              <a:rPr lang="ja-JP" altLang="en-US"/>
-              <a:t>チーム開発の難しさ、考え方の相違による方向性の違い、</a:t>
-            </a:r>
-            <a:br>
-              <a:rPr lang="ja-JP" altLang="en-US"/>
-            </a:br>
-            <a:r>
-              <a:rPr lang="en-US" altLang="ja-JP" dirty="0"/>
-              <a:t>• </a:t>
-            </a:r>
-            <a:r>
-              <a:rPr lang="ja-JP" altLang="en-US"/>
-              <a:t>他チームと共有したい知識や経験について </a:t>
-            </a:r>
-          </a:p>
-          <a:p>
-            <a:pPr marL="0" indent="0">
-              <a:buNone/>
-            </a:pPr>
-            <a:r>
-              <a:rPr lang="ja-JP" altLang="en-US"/>
-              <a:t>プログラムの仕様は開発前にチーム内でしっかり話し合うこと。</a:t>
-            </a:r>
-            <a:endParaRPr lang="en-US" altLang="ja-JP" dirty="0"/>
-          </a:p>
-          <a:p>
             <a:endParaRPr kumimoji="1" lang="ja-JP" altLang="en-US"/>
           </a:p>
         </p:txBody>
@@ -2395,7 +2259,184 @@
           <a:p>
             <a:fld id="{E80D2382-8EA4-3844-9F9D-406B4231AAA3}" type="slidenum">
               <a:rPr kumimoji="1" lang="ja-JP" altLang="en-US" smtClean="0"/>
-              <a:t>27</a:t>
+              <a:t>24</a:t>
+            </a:fld>
+            <a:endParaRPr kumimoji="1" lang="ja-JP" altLang="en-US"/>
+          </a:p>
+        </p:txBody>
+      </p:sp>
+    </p:spTree>
+    <p:extLst>
+      <p:ext uri="{BB962C8B-B14F-4D97-AF65-F5344CB8AC3E}">
+        <p14:creationId xmlns:p14="http://schemas.microsoft.com/office/powerpoint/2010/main" val="1960087772"/>
+      </p:ext>
+    </p:extLst>
+  </p:cSld>
+  <p:clrMapOvr>
+    <a:masterClrMapping/>
+  </p:clrMapOvr>
+</p:notes>
+</file>
+
+<file path=ppt/notesSlides/notesSlide14.xml><?xml version="1.0" encoding="utf-8"?>
+<p:notes xmlns:a="http://schemas.openxmlformats.org/drawingml/2006/main" xmlns:r="http://schemas.openxmlformats.org/officeDocument/2006/relationships" xmlns:p="http://schemas.openxmlformats.org/presentationml/2006/main">
+  <p:cSld>
+    <p:spTree>
+      <p:nvGrpSpPr>
+        <p:cNvPr id="1" name=""/>
+        <p:cNvGrpSpPr/>
+        <p:nvPr/>
+      </p:nvGrpSpPr>
+      <p:grpSpPr>
+        <a:xfrm>
+          <a:off x="0" y="0"/>
+          <a:ext cx="0" cy="0"/>
+          <a:chOff x="0" y="0"/>
+          <a:chExt cx="0" cy="0"/>
+        </a:xfrm>
+      </p:grpSpPr>
+      <p:sp>
+        <p:nvSpPr>
+          <p:cNvPr id="2" name="スライド イメージ プレースホルダー 1"/>
+          <p:cNvSpPr>
+            <a:spLocks noGrp="1" noRot="1" noChangeAspect="1"/>
+          </p:cNvSpPr>
+          <p:nvPr>
+            <p:ph type="sldImg"/>
+          </p:nvPr>
+        </p:nvSpPr>
+        <p:spPr/>
+      </p:sp>
+      <p:sp>
+        <p:nvSpPr>
+          <p:cNvPr id="3" name="ノート プレースホルダー 2"/>
+          <p:cNvSpPr>
+            <a:spLocks noGrp="1"/>
+          </p:cNvSpPr>
+          <p:nvPr>
+            <p:ph type="body" idx="1"/>
+          </p:nvPr>
+        </p:nvSpPr>
+        <p:spPr/>
+        <p:txBody>
+          <a:bodyPr/>
+          <a:lstStyle/>
+          <a:p>
+            <a:pPr marL="0" indent="0">
+              <a:buNone/>
+            </a:pPr>
+            <a:r>
+              <a:rPr lang="en-US" altLang="ja-JP" dirty="0"/>
+              <a:t>• </a:t>
+            </a:r>
+            <a:r>
+              <a:rPr lang="ja-JP" altLang="en-US"/>
+              <a:t>システム開発上難しかったことを報告してください</a:t>
+            </a:r>
+            <a:endParaRPr lang="en-US" altLang="ja-JP" dirty="0"/>
+          </a:p>
+          <a:p>
+            <a:pPr marL="0" indent="0">
+              <a:buNone/>
+            </a:pPr>
+            <a:r>
+              <a:rPr lang="ja-JP" altLang="en-US"/>
+              <a:t>行き当たりばったりによるデータの扱い、</a:t>
+            </a:r>
+            <a:endParaRPr lang="en-US" altLang="ja-JP" dirty="0"/>
+          </a:p>
+          <a:p>
+            <a:pPr marL="0" indent="0">
+              <a:buNone/>
+            </a:pPr>
+            <a:r>
+              <a:rPr lang="ja-JP" altLang="en-US"/>
+              <a:t> </a:t>
+            </a:r>
+            <a:r>
+              <a:rPr lang="en-US" altLang="ja-JP" dirty="0"/>
+              <a:t>• </a:t>
+            </a:r>
+            <a:r>
+              <a:rPr lang="ja-JP" altLang="en-US"/>
+              <a:t>システムの良くできた点をアピールしてください</a:t>
+            </a:r>
+            <a:br>
+              <a:rPr lang="ja-JP" altLang="en-US"/>
+            </a:br>
+            <a:r>
+              <a:rPr lang="ja-JP" altLang="en-US"/>
+              <a:t>特になし</a:t>
+            </a:r>
+            <a:endParaRPr lang="en-US" altLang="ja-JP" dirty="0"/>
+          </a:p>
+          <a:p>
+            <a:pPr marL="0" indent="0">
+              <a:buNone/>
+            </a:pPr>
+            <a:r>
+              <a:rPr lang="en-US" altLang="ja-JP" dirty="0"/>
+              <a:t>• </a:t>
+            </a:r>
+            <a:r>
+              <a:rPr lang="ja-JP" altLang="en-US"/>
+              <a:t>プロジェクトから学んだこと、気付いたこと</a:t>
+            </a:r>
+            <a:endParaRPr lang="en-US" altLang="ja-JP" dirty="0"/>
+          </a:p>
+          <a:p>
+            <a:pPr marL="0" indent="0">
+              <a:buNone/>
+            </a:pPr>
+            <a:r>
+              <a:rPr lang="ja-JP" altLang="en-US"/>
+              <a:t>チーム開発の難しさ、考え方の相違による方向性の違い、</a:t>
+            </a:r>
+            <a:br>
+              <a:rPr lang="ja-JP" altLang="en-US"/>
+            </a:br>
+            <a:r>
+              <a:rPr lang="en-US" altLang="ja-JP" dirty="0"/>
+              <a:t>• </a:t>
+            </a:r>
+            <a:r>
+              <a:rPr lang="ja-JP" altLang="en-US"/>
+              <a:t>他チームと共有したい知識や経験について </a:t>
+            </a:r>
+          </a:p>
+          <a:p>
+            <a:pPr marL="0" indent="0">
+              <a:buNone/>
+            </a:pPr>
+            <a:r>
+              <a:rPr lang="ja-JP" altLang="en-US"/>
+              <a:t>プログラムの仕様は開発前にチーム内でしっかり話し合うこと。</a:t>
+            </a:r>
+            <a:endParaRPr lang="en-US" altLang="ja-JP" dirty="0"/>
+          </a:p>
+          <a:p>
+            <a:endParaRPr kumimoji="1" lang="ja-JP" altLang="en-US"/>
+          </a:p>
+        </p:txBody>
+      </p:sp>
+      <p:sp>
+        <p:nvSpPr>
+          <p:cNvPr id="4" name="スライド番号プレースホルダー 3"/>
+          <p:cNvSpPr>
+            <a:spLocks noGrp="1"/>
+          </p:cNvSpPr>
+          <p:nvPr>
+            <p:ph type="sldNum" sz="quarter" idx="5"/>
+          </p:nvPr>
+        </p:nvSpPr>
+        <p:spPr/>
+        <p:txBody>
+          <a:bodyPr/>
+          <a:lstStyle/>
+          <a:p>
+            <a:fld id="{E80D2382-8EA4-3844-9F9D-406B4231AAA3}" type="slidenum">
+              <a:rPr kumimoji="1" lang="ja-JP" altLang="en-US" smtClean="0"/>
+              <a:t>26</a:t>
             </a:fld>
             <a:endParaRPr kumimoji="1" lang="ja-JP" altLang="en-US"/>
           </a:p>
@@ -2457,6 +2498,61 @@
         <p:txBody>
           <a:bodyPr/>
           <a:lstStyle/>
+          <a:p>
+            <a:r>
+              <a:rPr lang="en-US" altLang="ja-JP" sz="1200" dirty="0"/>
+              <a:t>Explanation of Algorithm </a:t>
+            </a:r>
+            <a:r>
+              <a:rPr lang="ja-JP" altLang="en-US" sz="1200"/>
+              <a:t>実装したアルゴリズムの解説 </a:t>
+            </a:r>
+            <a:endParaRPr lang="en-US" altLang="ja-JP" sz="1200" dirty="0"/>
+          </a:p>
+          <a:p>
+            <a:r>
+              <a:rPr lang="en-US" altLang="ja-JP" sz="1200" dirty="0"/>
+              <a:t>Outline by Flowchart</a:t>
+            </a:r>
+            <a:r>
+              <a:rPr lang="ja-JP" altLang="en-US" sz="1200"/>
+              <a:t>フローチャート図による概要 </a:t>
+            </a:r>
+            <a:endParaRPr lang="en-US" altLang="ja-JP" sz="1200" dirty="0"/>
+          </a:p>
+          <a:p>
+            <a:r>
+              <a:rPr lang="en-US" altLang="ja-JP" sz="1200" dirty="0"/>
+              <a:t> Source code</a:t>
+            </a:r>
+            <a:r>
+              <a:rPr lang="ja-JP" altLang="en-US" sz="1200"/>
+              <a:t>ソースコード </a:t>
+            </a:r>
+            <a:endParaRPr lang="en-US" altLang="ja-JP" sz="1200" dirty="0"/>
+          </a:p>
+          <a:p>
+            <a:r>
+              <a:rPr lang="en-US" altLang="ja-JP" sz="1200" dirty="0"/>
+              <a:t>Test code</a:t>
+            </a:r>
+            <a:r>
+              <a:rPr lang="ja-JP" altLang="en-US" sz="1200"/>
+              <a:t>作成したテストデータ</a:t>
+            </a:r>
+            <a:endParaRPr lang="en-US" altLang="ja-JP" sz="1200" dirty="0"/>
+          </a:p>
+          <a:p>
+            <a:r>
+              <a:rPr lang="en-US" altLang="ja-JP" sz="1200" dirty="0"/>
+              <a:t>Data</a:t>
+            </a:r>
+            <a:r>
+              <a:rPr lang="ja-JP" altLang="en-US" sz="1200"/>
+              <a:t> </a:t>
+            </a:r>
+            <a:endParaRPr lang="en-US" altLang="ja-JP" sz="1200" dirty="0"/>
+          </a:p>
           <a:p>
             <a:endParaRPr kumimoji="1" lang="ja-JP" altLang="en-US"/>
           </a:p>
@@ -12960,7 +13056,7 @@
           <p:cNvPr id="2" name="タイトル 1">
             <a:extLst>
               <a:ext uri="{FF2B5EF4-FFF2-40B4-BE49-F238E27FC236}">
-                <a16:creationId xmlns:a16="http://schemas.microsoft.com/office/drawing/2014/main" id="{25AD2A58-4063-E946-A95E-3C2D0ABE48AA}"/>
+                <a16:creationId xmlns:a16="http://schemas.microsoft.com/office/drawing/2014/main" id="{53A68189-774A-8D47-ADE4-2F3875A7512F}"/>
               </a:ext>
             </a:extLst>
           </p:cNvPr>
@@ -12968,7 +13064,7 @@
             <a:spLocks noGrp="1"/>
           </p:cNvSpPr>
           <p:nvPr>
-            <p:ph type="title"/>
+            <p:ph type="ctrTitle"/>
           </p:nvPr>
         </p:nvSpPr>
         <p:spPr/>
@@ -12977,61 +13073,19 @@
           <a:lstStyle/>
           <a:p>
             <a:r>
-              <a:rPr lang="ja-JP" altLang="en-US">
-                <a:latin typeface="ＭＳ Ｐゴシック" panose="020B0600070205080204" pitchFamily="34" charset="-128"/>
-                <a:ea typeface="ＭＳ Ｐゴシック" panose="020B0600070205080204" pitchFamily="34" charset="-128"/>
-              </a:rPr>
-              <a:t>テストコード</a:t>
-            </a:r>
-            <a:endParaRPr kumimoji="1" lang="ja-JP" altLang="en-US"/>
+              <a:rPr lang="en-US" altLang="ja-JP" b="0" dirty="0"/>
+              <a:t>Created Data</a:t>
+            </a:r>
+            <a:endParaRPr kumimoji="1" lang="ja-JP" altLang="en-US" b="0"/>
           </a:p>
         </p:txBody>
       </p:sp>
       <p:sp>
         <p:nvSpPr>
-          <p:cNvPr id="4" name="正方形/長方形 3">
+          <p:cNvPr id="3" name="字幕 2">
             <a:extLst>
               <a:ext uri="{FF2B5EF4-FFF2-40B4-BE49-F238E27FC236}">
-                <a16:creationId xmlns:a16="http://schemas.microsoft.com/office/drawing/2014/main" id="{66F06AFE-5074-224F-BC5F-A15A36ED2E70}"/>
-              </a:ext>
-            </a:extLst>
-          </p:cNvPr>
-          <p:cNvSpPr/>
-          <p:nvPr/>
-        </p:nvSpPr>
-        <p:spPr>
-          <a:xfrm>
-            <a:off x="3048000" y="2967335"/>
-            <a:ext cx="6096000" cy="646331"/>
-          </a:xfrm>
-          <a:prstGeom prst="rect">
-            <a:avLst/>
-          </a:prstGeom>
-        </p:spPr>
-        <p:txBody>
-          <a:bodyPr>
-            <a:spAutoFit/>
-          </a:bodyPr>
-          <a:lstStyle/>
-          <a:p>
-            <a:br>
-              <a:rPr lang="ja-JP" altLang="en-US">
-                <a:latin typeface="ＭＳ Ｐゴシック" panose="020B0600070205080204" pitchFamily="34" charset="-128"/>
-                <a:ea typeface="ＭＳ Ｐゴシック" panose="020B0600070205080204" pitchFamily="34" charset="-128"/>
-              </a:rPr>
-            </a:br>
-            <a:endParaRPr lang="ja-JP" altLang="en-US">
-              <a:effectLst/>
-            </a:endParaRPr>
-          </a:p>
-        </p:txBody>
-      </p:sp>
-      <p:sp>
-        <p:nvSpPr>
-          <p:cNvPr id="6" name="コンテンツ プレースホルダー 5">
-            <a:extLst>
-              <a:ext uri="{FF2B5EF4-FFF2-40B4-BE49-F238E27FC236}">
-                <a16:creationId xmlns:a16="http://schemas.microsoft.com/office/drawing/2014/main" id="{03071C9F-6474-4543-A92C-C1424549C9C9}"/>
+                <a16:creationId xmlns:a16="http://schemas.microsoft.com/office/drawing/2014/main" id="{CA7C358E-FC0A-8F4A-8D87-A42112649AC0}"/>
               </a:ext>
             </a:extLst>
           </p:cNvPr>
@@ -13039,7 +13093,7 @@
             <a:spLocks noGrp="1"/>
           </p:cNvSpPr>
           <p:nvPr>
-            <p:ph idx="1"/>
+            <p:ph type="subTitle" idx="1"/>
           </p:nvPr>
         </p:nvSpPr>
         <p:spPr/>
@@ -13047,14 +13101,14 @@
           <a:bodyPr/>
           <a:lstStyle/>
           <a:p>
-            <a:endParaRPr lang="ja-JP" altLang="en-US"/>
+            <a:endParaRPr kumimoji="1" lang="ja-JP" altLang="en-US"/>
           </a:p>
         </p:txBody>
       </p:sp>
     </p:spTree>
     <p:extLst>
       <p:ext uri="{BB962C8B-B14F-4D97-AF65-F5344CB8AC3E}">
-        <p14:creationId xmlns:p14="http://schemas.microsoft.com/office/powerpoint/2010/main" val="3507462325"/>
+        <p14:creationId xmlns:p14="http://schemas.microsoft.com/office/powerpoint/2010/main" val="3756327072"/>
       </p:ext>
     </p:extLst>
   </p:cSld>
@@ -13086,110 +13140,6 @@
           <p:cNvPr id="2" name="タイトル 1">
             <a:extLst>
               <a:ext uri="{FF2B5EF4-FFF2-40B4-BE49-F238E27FC236}">
-                <a16:creationId xmlns:a16="http://schemas.microsoft.com/office/drawing/2014/main" id="{D035EF32-DC07-9643-AEA0-61845C0C3340}"/>
-              </a:ext>
-            </a:extLst>
-          </p:cNvPr>
-          <p:cNvSpPr>
-            <a:spLocks noGrp="1"/>
-          </p:cNvSpPr>
-          <p:nvPr>
-            <p:ph type="title"/>
-          </p:nvPr>
-        </p:nvSpPr>
-        <p:spPr/>
-        <p:txBody>
-          <a:bodyPr/>
-          <a:lstStyle/>
-          <a:p>
-            <a:endParaRPr kumimoji="1" lang="ja-JP" altLang="en-US"/>
-          </a:p>
-        </p:txBody>
-      </p:sp>
-      <p:sp>
-        <p:nvSpPr>
-          <p:cNvPr id="3" name="コンテンツ プレースホルダー 2">
-            <a:extLst>
-              <a:ext uri="{FF2B5EF4-FFF2-40B4-BE49-F238E27FC236}">
-                <a16:creationId xmlns:a16="http://schemas.microsoft.com/office/drawing/2014/main" id="{D2A0B0A5-C7F5-464D-A7D9-4BA60AD55067}"/>
-              </a:ext>
-            </a:extLst>
-          </p:cNvPr>
-          <p:cNvSpPr>
-            <a:spLocks noGrp="1"/>
-          </p:cNvSpPr>
-          <p:nvPr>
-            <p:ph idx="1"/>
-          </p:nvPr>
-        </p:nvSpPr>
-        <p:spPr/>
-        <p:txBody>
-          <a:bodyPr/>
-          <a:lstStyle/>
-          <a:p>
-            <a:r>
-              <a:rPr lang="ja-JP" altLang="en-US"/>
-              <a:t>データ </a:t>
-            </a:r>
-          </a:p>
-          <a:p>
-            <a:r>
-              <a:rPr lang="en-US" altLang="ja-JP" dirty="0"/>
-              <a:t>• </a:t>
-            </a:r>
-            <a:r>
-              <a:rPr lang="ja-JP" altLang="en-US"/>
-              <a:t>作成したテストデータ </a:t>
-            </a:r>
-            <a:r>
-              <a:rPr lang="en-US" altLang="ja-JP" dirty="0"/>
-              <a:t>• </a:t>
-            </a:r>
-            <a:r>
-              <a:rPr lang="ja-JP" altLang="en-US"/>
-              <a:t>データ生成器・検証器 </a:t>
-            </a:r>
-            <a:endParaRPr lang="ja-JP" altLang="en-US">
-              <a:effectLst/>
-            </a:endParaRPr>
-          </a:p>
-        </p:txBody>
-      </p:sp>
-    </p:spTree>
-    <p:extLst>
-      <p:ext uri="{BB962C8B-B14F-4D97-AF65-F5344CB8AC3E}">
-        <p14:creationId xmlns:p14="http://schemas.microsoft.com/office/powerpoint/2010/main" val="1899833573"/>
-      </p:ext>
-    </p:extLst>
-  </p:cSld>
-  <p:clrMapOvr>
-    <a:masterClrMapping/>
-  </p:clrMapOvr>
-</p:sld>
-</file>
-
-<file path=ppt/slides/slide25.xml><?xml version="1.0" encoding="utf-8"?>
-<p:sld xmlns:a="http://schemas.openxmlformats.org/drawingml/2006/main" xmlns:r="http://schemas.openxmlformats.org/officeDocument/2006/relationships" xmlns:p="http://schemas.openxmlformats.org/presentationml/2006/main">
-  <p:cSld>
-    <p:spTree>
-      <p:nvGrpSpPr>
-        <p:cNvPr id="1" name=""/>
-        <p:cNvGrpSpPr/>
-        <p:nvPr/>
-      </p:nvGrpSpPr>
-      <p:grpSpPr>
-        <a:xfrm>
-          <a:off x="0" y="0"/>
-          <a:ext cx="0" cy="0"/>
-          <a:chOff x="0" y="0"/>
-          <a:chExt cx="0" cy="0"/>
-        </a:xfrm>
-      </p:grpSpPr>
-      <p:sp>
-        <p:nvSpPr>
-          <p:cNvPr id="2" name="タイトル 1">
-            <a:extLst>
-              <a:ext uri="{FF2B5EF4-FFF2-40B4-BE49-F238E27FC236}">
                 <a16:creationId xmlns:a16="http://schemas.microsoft.com/office/drawing/2014/main" id="{29A688E6-A2F4-2B45-A0E2-9C4DE4B31627}"/>
               </a:ext>
             </a:extLst>
@@ -13208,7 +13158,7 @@
           <a:p>
             <a:r>
               <a:rPr lang="en-US" altLang="ja-JP" dirty="0"/>
-              <a:t>Test Data N/A</a:t>
+              <a:t>Test Data </a:t>
             </a:r>
             <a:endParaRPr kumimoji="1" lang="ja-JP" altLang="en-US"/>
           </a:p>
@@ -13451,7 +13401,7 @@
           <p:nvPr/>
         </p:nvPicPr>
         <p:blipFill>
-          <a:blip r:embed="rId2"/>
+          <a:blip r:embed="rId3"/>
           <a:stretch>
             <a:fillRect/>
           </a:stretch>
@@ -13528,7 +13478,7 @@
         </p:xfrm>
         <a:graphic>
           <a:graphicData uri="http://schemas.openxmlformats.org/drawingml/2006/chart">
-            <c:chart xmlns:c="http://schemas.openxmlformats.org/drawingml/2006/chart" xmlns:r="http://schemas.openxmlformats.org/officeDocument/2006/relationships" r:id="rId3"/>
+            <c:chart xmlns:c="http://schemas.openxmlformats.org/drawingml/2006/chart" xmlns:r="http://schemas.openxmlformats.org/officeDocument/2006/relationships" r:id="rId4"/>
           </a:graphicData>
         </a:graphic>
       </p:graphicFrame>
@@ -13795,7 +13745,7 @@
 </p:sld>
 </file>
 
-<file path=ppt/slides/slide26.xml><?xml version="1.0" encoding="utf-8"?>
+<file path=ppt/slides/slide25.xml><?xml version="1.0" encoding="utf-8"?>
 <p:sld xmlns:a="http://schemas.openxmlformats.org/drawingml/2006/main" xmlns:r="http://schemas.openxmlformats.org/officeDocument/2006/relationships" xmlns:p="http://schemas.openxmlformats.org/presentationml/2006/main">
   <p:cSld>
     <p:spTree>
@@ -14962,7 +14912,7 @@
 </p:sld>
 </file>
 
-<file path=ppt/slides/slide27.xml><?xml version="1.0" encoding="utf-8"?>
+<file path=ppt/slides/slide26.xml><?xml version="1.0" encoding="utf-8"?>
 <p:sld xmlns:a="http://schemas.openxmlformats.org/drawingml/2006/main" xmlns:r="http://schemas.openxmlformats.org/officeDocument/2006/relationships" xmlns:p="http://schemas.openxmlformats.org/presentationml/2006/main">
   <p:cSld>
     <p:spTree>
@@ -15714,7 +15664,7 @@
             </a:r>
             <a:r>
               <a:rPr lang="ja-JP" altLang="en-US" sz="2800"/>
-              <a:t>実装したアルゴリズムの解説 </a:t>
+              <a:t> </a:t>
             </a:r>
             <a:endParaRPr lang="en-US" altLang="ja-JP" sz="2800" dirty="0"/>
           </a:p>
@@ -15723,33 +15673,18 @@
               <a:rPr lang="en-US" altLang="ja-JP" sz="2800" dirty="0"/>
               <a:t>Outline by Flowchart</a:t>
             </a:r>
-            <a:r>
-              <a:rPr lang="ja-JP" altLang="en-US" sz="2800"/>
-              <a:t>フローチャート図による概要 </a:t>
-            </a:r>
-            <a:endParaRPr lang="en-US" altLang="ja-JP" sz="2800" dirty="0"/>
           </a:p>
           <a:p>
             <a:r>
               <a:rPr lang="en-US" altLang="ja-JP" sz="2800" dirty="0"/>
-              <a:t> Source code</a:t>
-            </a:r>
-            <a:r>
-              <a:rPr lang="ja-JP" altLang="en-US" sz="2800"/>
-              <a:t>ソースコード </a:t>
-            </a:r>
-            <a:endParaRPr lang="en-US" altLang="ja-JP" sz="2800" dirty="0"/>
+              <a:t>Source code</a:t>
+            </a:r>
           </a:p>
           <a:p>
             <a:r>
               <a:rPr lang="en-US" altLang="ja-JP" sz="2800" dirty="0"/>
               <a:t>Test code</a:t>
             </a:r>
-            <a:r>
-              <a:rPr lang="ja-JP" altLang="en-US" sz="2800"/>
-              <a:t>作成したテストデータ</a:t>
-            </a:r>
-            <a:endParaRPr lang="en-US" altLang="ja-JP" sz="2800" dirty="0"/>
           </a:p>
           <a:p>
             <a:r>
@@ -17867,42 +17802,6 @@
           </a:xfrm>
         </p:spPr>
       </p:pic>
-      <p:sp>
-        <p:nvSpPr>
-          <p:cNvPr id="2" name="テキスト ボックス 1">
-            <a:extLst>
-              <a:ext uri="{FF2B5EF4-FFF2-40B4-BE49-F238E27FC236}">
-                <a16:creationId xmlns:a16="http://schemas.microsoft.com/office/drawing/2014/main" id="{FD9F0C47-1E79-AA43-946E-0B9C815CE561}"/>
-              </a:ext>
-            </a:extLst>
-          </p:cNvPr>
-          <p:cNvSpPr txBox="1"/>
-          <p:nvPr/>
-        </p:nvSpPr>
-        <p:spPr>
-          <a:xfrm>
-            <a:off x="762000" y="1343891"/>
-            <a:ext cx="628698" cy="369332"/>
-          </a:xfrm>
-          <a:prstGeom prst="rect">
-            <a:avLst/>
-          </a:prstGeom>
-          <a:noFill/>
-        </p:spPr>
-        <p:txBody>
-          <a:bodyPr wrap="none" rtlCol="0">
-            <a:spAutoFit/>
-          </a:bodyPr>
-          <a:lstStyle/>
-          <a:p>
-            <a:r>
-              <a:rPr lang="en-US" altLang="ja-JP" dirty="0"/>
-              <a:t>N/A</a:t>
-            </a:r>
-            <a:endParaRPr kumimoji="1" lang="ja-JP" altLang="en-US"/>
-          </a:p>
-        </p:txBody>
-      </p:sp>
     </p:spTree>
     <p:extLst>
       <p:ext uri="{BB962C8B-B14F-4D97-AF65-F5344CB8AC3E}">
